--- a/Kanban_diapo.pptx
+++ b/Kanban_diapo.pptx
@@ -111,6 +111,11 @@
       </a:defRPr>
     </a:lvl9pPr>
   </p:defaultTextStyle>
+  <p:extLst>
+    <p:ext uri="{EFAFB233-063F-42B5-8137-9DF3F51BA10A}">
+      <p15:sldGuideLst xmlns:p15="http://schemas.microsoft.com/office/powerpoint/2012/main"/>
+    </p:ext>
+  </p:extLst>
 </p:presentation>
 </file>
 
@@ -300,7 +305,7 @@
           <a:p>
             <a:fld id="{07BF1B1C-A64F-4B98-AF4B-AD20D1C4FA8A}" type="datetimeFigureOut">
               <a:rPr lang="fr-FR" smtClean="0"/>
-              <a:t>20/10/2023</a:t>
+              <a:t>10/11/2023</a:t>
             </a:fld>
             <a:endParaRPr lang="fr-FR"/>
           </a:p>
@@ -575,7 +580,7 @@
           <a:p>
             <a:fld id="{07BF1B1C-A64F-4B98-AF4B-AD20D1C4FA8A}" type="datetimeFigureOut">
               <a:rPr lang="fr-FR" smtClean="0"/>
-              <a:t>20/10/2023</a:t>
+              <a:t>10/11/2023</a:t>
             </a:fld>
             <a:endParaRPr lang="fr-FR"/>
           </a:p>
@@ -769,7 +774,7 @@
           <a:p>
             <a:fld id="{07BF1B1C-A64F-4B98-AF4B-AD20D1C4FA8A}" type="datetimeFigureOut">
               <a:rPr lang="fr-FR" smtClean="0"/>
-              <a:t>20/10/2023</a:t>
+              <a:t>10/11/2023</a:t>
             </a:fld>
             <a:endParaRPr lang="fr-FR"/>
           </a:p>
@@ -1042,7 +1047,7 @@
           <a:p>
             <a:fld id="{07BF1B1C-A64F-4B98-AF4B-AD20D1C4FA8A}" type="datetimeFigureOut">
               <a:rPr lang="fr-FR" smtClean="0"/>
-              <a:t>20/10/2023</a:t>
+              <a:t>10/11/2023</a:t>
             </a:fld>
             <a:endParaRPr lang="fr-FR"/>
           </a:p>
@@ -1383,7 +1388,7 @@
           <a:p>
             <a:fld id="{07BF1B1C-A64F-4B98-AF4B-AD20D1C4FA8A}" type="datetimeFigureOut">
               <a:rPr lang="fr-FR" smtClean="0"/>
-              <a:t>20/10/2023</a:t>
+              <a:t>10/11/2023</a:t>
             </a:fld>
             <a:endParaRPr lang="fr-FR"/>
           </a:p>
@@ -2006,7 +2011,7 @@
           <a:p>
             <a:fld id="{07BF1B1C-A64F-4B98-AF4B-AD20D1C4FA8A}" type="datetimeFigureOut">
               <a:rPr lang="fr-FR" smtClean="0"/>
-              <a:t>20/10/2023</a:t>
+              <a:t>10/11/2023</a:t>
             </a:fld>
             <a:endParaRPr lang="fr-FR"/>
           </a:p>
@@ -2866,7 +2871,7 @@
           <a:p>
             <a:fld id="{07BF1B1C-A64F-4B98-AF4B-AD20D1C4FA8A}" type="datetimeFigureOut">
               <a:rPr lang="fr-FR" smtClean="0"/>
-              <a:t>20/10/2023</a:t>
+              <a:t>10/11/2023</a:t>
             </a:fld>
             <a:endParaRPr lang="fr-FR"/>
           </a:p>
@@ -3036,7 +3041,7 @@
           <a:p>
             <a:fld id="{07BF1B1C-A64F-4B98-AF4B-AD20D1C4FA8A}" type="datetimeFigureOut">
               <a:rPr lang="fr-FR" smtClean="0"/>
-              <a:t>20/10/2023</a:t>
+              <a:t>10/11/2023</a:t>
             </a:fld>
             <a:endParaRPr lang="fr-FR"/>
           </a:p>
@@ -3216,7 +3221,7 @@
           <a:p>
             <a:fld id="{07BF1B1C-A64F-4B98-AF4B-AD20D1C4FA8A}" type="datetimeFigureOut">
               <a:rPr lang="fr-FR" smtClean="0"/>
-              <a:t>20/10/2023</a:t>
+              <a:t>10/11/2023</a:t>
             </a:fld>
             <a:endParaRPr lang="fr-FR"/>
           </a:p>
@@ -3386,7 +3391,7 @@
           <a:p>
             <a:fld id="{07BF1B1C-A64F-4B98-AF4B-AD20D1C4FA8A}" type="datetimeFigureOut">
               <a:rPr lang="fr-FR" smtClean="0"/>
-              <a:t>20/10/2023</a:t>
+              <a:t>10/11/2023</a:t>
             </a:fld>
             <a:endParaRPr lang="fr-FR"/>
           </a:p>
@@ -3633,7 +3638,7 @@
           <a:p>
             <a:fld id="{07BF1B1C-A64F-4B98-AF4B-AD20D1C4FA8A}" type="datetimeFigureOut">
               <a:rPr lang="fr-FR" smtClean="0"/>
-              <a:t>20/10/2023</a:t>
+              <a:t>10/11/2023</a:t>
             </a:fld>
             <a:endParaRPr lang="fr-FR"/>
           </a:p>
@@ -3925,7 +3930,7 @@
           <a:p>
             <a:fld id="{07BF1B1C-A64F-4B98-AF4B-AD20D1C4FA8A}" type="datetimeFigureOut">
               <a:rPr lang="fr-FR" smtClean="0"/>
-              <a:t>20/10/2023</a:t>
+              <a:t>10/11/2023</a:t>
             </a:fld>
             <a:endParaRPr lang="fr-FR"/>
           </a:p>
@@ -4369,7 +4374,7 @@
           <a:p>
             <a:fld id="{07BF1B1C-A64F-4B98-AF4B-AD20D1C4FA8A}" type="datetimeFigureOut">
               <a:rPr lang="fr-FR" smtClean="0"/>
-              <a:t>20/10/2023</a:t>
+              <a:t>10/11/2023</a:t>
             </a:fld>
             <a:endParaRPr lang="fr-FR"/>
           </a:p>
@@ -4487,7 +4492,7 @@
           <a:p>
             <a:fld id="{07BF1B1C-A64F-4B98-AF4B-AD20D1C4FA8A}" type="datetimeFigureOut">
               <a:rPr lang="fr-FR" smtClean="0"/>
-              <a:t>20/10/2023</a:t>
+              <a:t>10/11/2023</a:t>
             </a:fld>
             <a:endParaRPr lang="fr-FR"/>
           </a:p>
@@ -4582,7 +4587,7 @@
           <a:p>
             <a:fld id="{07BF1B1C-A64F-4B98-AF4B-AD20D1C4FA8A}" type="datetimeFigureOut">
               <a:rPr lang="fr-FR" smtClean="0"/>
-              <a:t>20/10/2023</a:t>
+              <a:t>10/11/2023</a:t>
             </a:fld>
             <a:endParaRPr lang="fr-FR"/>
           </a:p>
@@ -4861,7 +4866,7 @@
           <a:p>
             <a:fld id="{07BF1B1C-A64F-4B98-AF4B-AD20D1C4FA8A}" type="datetimeFigureOut">
               <a:rPr lang="fr-FR" smtClean="0"/>
-              <a:t>20/10/2023</a:t>
+              <a:t>10/11/2023</a:t>
             </a:fld>
             <a:endParaRPr lang="fr-FR"/>
           </a:p>
@@ -5136,7 +5141,7 @@
           <a:p>
             <a:fld id="{07BF1B1C-A64F-4B98-AF4B-AD20D1C4FA8A}" type="datetimeFigureOut">
               <a:rPr lang="fr-FR" smtClean="0"/>
-              <a:t>20/10/2023</a:t>
+              <a:t>10/11/2023</a:t>
             </a:fld>
             <a:endParaRPr lang="fr-FR"/>
           </a:p>
@@ -5565,7 +5570,7 @@
           <a:p>
             <a:fld id="{07BF1B1C-A64F-4B98-AF4B-AD20D1C4FA8A}" type="datetimeFigureOut">
               <a:rPr lang="fr-FR" smtClean="0"/>
-              <a:t>20/10/2023</a:t>
+              <a:t>10/11/2023</a:t>
             </a:fld>
             <a:endParaRPr lang="fr-FR"/>
           </a:p>
@@ -6851,13 +6856,13 @@
         </p:nvPicPr>
         <p:blipFill rotWithShape="1">
           <a:blip r:embed="rId2"/>
-          <a:srcRect l="8760" t="12729" r="8532" b="12641"/>
+          <a:srcRect l="8791" t="12973" r="8815" b="12955"/>
           <a:stretch/>
         </p:blipFill>
         <p:spPr>
           <a:xfrm>
-            <a:off x="1898593" y="1640264"/>
-            <a:ext cx="8394813" cy="4260915"/>
+            <a:off x="1901824" y="1654175"/>
+            <a:ext cx="8362951" cy="4229100"/>
           </a:xfrm>
           <a:prstGeom prst="rect">
             <a:avLst/>
@@ -6894,12 +6899,40 @@
           <a:chExt cx="0" cy="0"/>
         </a:xfrm>
       </p:grpSpPr>
+      <p:sp>
+        <p:nvSpPr>
+          <p:cNvPr id="2" name="Titre 1">
+            <a:extLst>
+              <a:ext uri="{FF2B5EF4-FFF2-40B4-BE49-F238E27FC236}">
+                <a16:creationId xmlns:a16="http://schemas.microsoft.com/office/drawing/2014/main" id="{2C6C99D6-E6CC-4C71-BA42-ABB4796CEBD7}"/>
+              </a:ext>
+            </a:extLst>
+          </p:cNvPr>
+          <p:cNvSpPr>
+            <a:spLocks noGrp="1"/>
+          </p:cNvSpPr>
+          <p:nvPr>
+            <p:ph type="title"/>
+          </p:nvPr>
+        </p:nvSpPr>
+        <p:spPr/>
+        <p:txBody>
+          <a:bodyPr/>
+          <a:lstStyle/>
+          <a:p>
+            <a:r>
+              <a:rPr lang="fr-FR" dirty="0"/>
+              <a:t>Mise en place Kanban (exemple)</a:t>
+            </a:r>
+          </a:p>
+        </p:txBody>
+      </p:sp>
       <p:pic>
         <p:nvPicPr>
-          <p:cNvPr id="4" name="Image 3">
+          <p:cNvPr id="10" name="Image 9">
             <a:extLst>
               <a:ext uri="{FF2B5EF4-FFF2-40B4-BE49-F238E27FC236}">
-                <a16:creationId xmlns:a16="http://schemas.microsoft.com/office/drawing/2014/main" id="{E716CCEB-212B-4250-B806-C29EFA08E203}"/>
+                <a16:creationId xmlns:a16="http://schemas.microsoft.com/office/drawing/2014/main" id="{131BCDFA-A451-4069-BF5A-ACB7B9968E9D}"/>
               </a:ext>
             </a:extLst>
           </p:cNvPr>
@@ -6910,255 +6943,19 @@
         </p:nvPicPr>
         <p:blipFill rotWithShape="1">
           <a:blip r:embed="rId2"/>
-          <a:srcRect l="169" t="321" r="247" b="36457"/>
+          <a:srcRect l="208" t="480" r="417" b="1451"/>
           <a:stretch/>
         </p:blipFill>
         <p:spPr>
           <a:xfrm>
-            <a:off x="464744" y="1853248"/>
-            <a:ext cx="11262512" cy="3437304"/>
+            <a:off x="0" y="1557867"/>
+            <a:ext cx="12192000" cy="4578773"/>
           </a:xfrm>
           <a:prstGeom prst="rect">
             <a:avLst/>
           </a:prstGeom>
         </p:spPr>
       </p:pic>
-      <p:sp>
-        <p:nvSpPr>
-          <p:cNvPr id="2" name="Titre 1">
-            <a:extLst>
-              <a:ext uri="{FF2B5EF4-FFF2-40B4-BE49-F238E27FC236}">
-                <a16:creationId xmlns:a16="http://schemas.microsoft.com/office/drawing/2014/main" id="{2C6C99D6-E6CC-4C71-BA42-ABB4796CEBD7}"/>
-              </a:ext>
-            </a:extLst>
-          </p:cNvPr>
-          <p:cNvSpPr>
-            <a:spLocks noGrp="1"/>
-          </p:cNvSpPr>
-          <p:nvPr>
-            <p:ph type="title"/>
-          </p:nvPr>
-        </p:nvSpPr>
-        <p:spPr/>
-        <p:txBody>
-          <a:bodyPr/>
-          <a:lstStyle/>
-          <a:p>
-            <a:r>
-              <a:rPr lang="fr-FR" dirty="0"/>
-              <a:t>Mise en place Kanban (exemple)</a:t>
-            </a:r>
-          </a:p>
-        </p:txBody>
-      </p:sp>
-      <p:sp>
-        <p:nvSpPr>
-          <p:cNvPr id="5" name="ZoneTexte 4">
-            <a:extLst>
-              <a:ext uri="{FF2B5EF4-FFF2-40B4-BE49-F238E27FC236}">
-                <a16:creationId xmlns:a16="http://schemas.microsoft.com/office/drawing/2014/main" id="{0E5EF9CB-3FE6-4179-8C68-3F1E86EB4EA1}"/>
-              </a:ext>
-            </a:extLst>
-          </p:cNvPr>
-          <p:cNvSpPr txBox="1"/>
-          <p:nvPr/>
-        </p:nvSpPr>
-        <p:spPr>
-          <a:xfrm>
-            <a:off x="4788408" y="2638792"/>
-            <a:ext cx="2615184" cy="369332"/>
-          </a:xfrm>
-          <a:prstGeom prst="rect">
-            <a:avLst/>
-          </a:prstGeom>
-          <a:noFill/>
-        </p:spPr>
-        <p:txBody>
-          <a:bodyPr wrap="square" rtlCol="0">
-            <a:spAutoFit/>
-          </a:bodyPr>
-          <a:lstStyle/>
-          <a:p>
-            <a:r>
-              <a:rPr lang="fr-FR" dirty="0">
-                <a:solidFill>
-                  <a:schemeClr val="bg1"/>
-                </a:solidFill>
-              </a:rPr>
-              <a:t>Model 3d </a:t>
-            </a:r>
-            <a:r>
-              <a:rPr lang="fr-FR" dirty="0" err="1">
-                <a:solidFill>
-                  <a:schemeClr val="bg1"/>
-                </a:solidFill>
-              </a:rPr>
-              <a:t>Sketchup</a:t>
-            </a:r>
-            <a:endParaRPr lang="fr-FR" dirty="0">
-              <a:solidFill>
-                <a:schemeClr val="bg1"/>
-              </a:solidFill>
-            </a:endParaRPr>
-          </a:p>
-        </p:txBody>
-      </p:sp>
-      <p:sp>
-        <p:nvSpPr>
-          <p:cNvPr id="6" name="ZoneTexte 5">
-            <a:extLst>
-              <a:ext uri="{FF2B5EF4-FFF2-40B4-BE49-F238E27FC236}">
-                <a16:creationId xmlns:a16="http://schemas.microsoft.com/office/drawing/2014/main" id="{53A42FF5-A97D-46BE-8FDD-B29564F44CB8}"/>
-              </a:ext>
-            </a:extLst>
-          </p:cNvPr>
-          <p:cNvSpPr txBox="1"/>
-          <p:nvPr/>
-        </p:nvSpPr>
-        <p:spPr>
-          <a:xfrm>
-            <a:off x="8540496" y="2638792"/>
-            <a:ext cx="2706624" cy="369332"/>
-          </a:xfrm>
-          <a:prstGeom prst="rect">
-            <a:avLst/>
-          </a:prstGeom>
-          <a:noFill/>
-        </p:spPr>
-        <p:txBody>
-          <a:bodyPr wrap="square" rtlCol="0">
-            <a:spAutoFit/>
-          </a:bodyPr>
-          <a:lstStyle/>
-          <a:p>
-            <a:r>
-              <a:rPr lang="fr-FR" dirty="0">
-                <a:solidFill>
-                  <a:schemeClr val="bg1"/>
-                </a:solidFill>
-              </a:rPr>
-              <a:t>Impression des cartes</a:t>
-            </a:r>
-          </a:p>
-        </p:txBody>
-      </p:sp>
-      <p:sp>
-        <p:nvSpPr>
-          <p:cNvPr id="7" name="ZoneTexte 6">
-            <a:extLst>
-              <a:ext uri="{FF2B5EF4-FFF2-40B4-BE49-F238E27FC236}">
-                <a16:creationId xmlns:a16="http://schemas.microsoft.com/office/drawing/2014/main" id="{8D3B8E64-59A5-45BD-B52A-41E79AC4AD81}"/>
-              </a:ext>
-            </a:extLst>
-          </p:cNvPr>
-          <p:cNvSpPr txBox="1"/>
-          <p:nvPr/>
-        </p:nvSpPr>
-        <p:spPr>
-          <a:xfrm>
-            <a:off x="4938484" y="3470502"/>
-            <a:ext cx="2315032" cy="646331"/>
-          </a:xfrm>
-          <a:prstGeom prst="rect">
-            <a:avLst/>
-          </a:prstGeom>
-          <a:noFill/>
-        </p:spPr>
-        <p:txBody>
-          <a:bodyPr wrap="square" rtlCol="0">
-            <a:spAutoFit/>
-          </a:bodyPr>
-          <a:lstStyle/>
-          <a:p>
-            <a:r>
-              <a:rPr lang="fr-FR" dirty="0">
-                <a:solidFill>
-                  <a:schemeClr val="bg1"/>
-                </a:solidFill>
-              </a:rPr>
-              <a:t>Trouver un model de personnage </a:t>
-            </a:r>
-          </a:p>
-        </p:txBody>
-      </p:sp>
-      <p:sp>
-        <p:nvSpPr>
-          <p:cNvPr id="8" name="ZoneTexte 7">
-            <a:extLst>
-              <a:ext uri="{FF2B5EF4-FFF2-40B4-BE49-F238E27FC236}">
-                <a16:creationId xmlns:a16="http://schemas.microsoft.com/office/drawing/2014/main" id="{FC167DBC-44AC-4615-B849-C10C014ECF18}"/>
-              </a:ext>
-            </a:extLst>
-          </p:cNvPr>
-          <p:cNvSpPr txBox="1"/>
-          <p:nvPr/>
-        </p:nvSpPr>
-        <p:spPr>
-          <a:xfrm>
-            <a:off x="556984" y="2500292"/>
-            <a:ext cx="3557816" cy="646331"/>
-          </a:xfrm>
-          <a:prstGeom prst="rect">
-            <a:avLst/>
-          </a:prstGeom>
-          <a:noFill/>
-        </p:spPr>
-        <p:txBody>
-          <a:bodyPr wrap="square" rtlCol="0">
-            <a:spAutoFit/>
-          </a:bodyPr>
-          <a:lstStyle/>
-          <a:p>
-            <a:r>
-              <a:rPr lang="fr-FR" dirty="0">
-                <a:solidFill>
-                  <a:schemeClr val="bg1"/>
-                </a:solidFill>
-              </a:rPr>
-              <a:t>Trouver les ressources pour les textures du model</a:t>
-            </a:r>
-          </a:p>
-        </p:txBody>
-      </p:sp>
-      <p:sp>
-        <p:nvSpPr>
-          <p:cNvPr id="9" name="ZoneTexte 8">
-            <a:extLst>
-              <a:ext uri="{FF2B5EF4-FFF2-40B4-BE49-F238E27FC236}">
-                <a16:creationId xmlns:a16="http://schemas.microsoft.com/office/drawing/2014/main" id="{ACA53843-6428-4F4A-8051-FF0C2E040EAE}"/>
-              </a:ext>
-            </a:extLst>
-          </p:cNvPr>
-          <p:cNvSpPr txBox="1"/>
-          <p:nvPr/>
-        </p:nvSpPr>
-        <p:spPr>
-          <a:xfrm>
-            <a:off x="694544" y="3485388"/>
-            <a:ext cx="3282696" cy="646331"/>
-          </a:xfrm>
-          <a:prstGeom prst="rect">
-            <a:avLst/>
-          </a:prstGeom>
-          <a:noFill/>
-        </p:spPr>
-        <p:txBody>
-          <a:bodyPr wrap="square" rtlCol="0">
-            <a:spAutoFit/>
-          </a:bodyPr>
-          <a:lstStyle/>
-          <a:p>
-            <a:r>
-              <a:rPr lang="fr-FR" dirty="0">
-                <a:solidFill>
-                  <a:schemeClr val="bg1"/>
-                </a:solidFill>
-              </a:rPr>
-              <a:t>Commander le mât pour le model de bateau</a:t>
-            </a:r>
-          </a:p>
-        </p:txBody>
-      </p:sp>
     </p:spTree>
     <p:extLst>
       <p:ext uri="{BB962C8B-B14F-4D97-AF65-F5344CB8AC3E}">
